--- a/발표/중간발표준비.pptx
+++ b/발표/중간발표준비.pptx
@@ -4679,7 +4679,7 @@
                   <a:srgbClr val="333333"/>
                 </a:solidFill>
               </a:rPr>
-              <a:t>좌표나 위치를 입력하면 해당 좌표에서 가장 가까운 지역의 날씨를 알려준다</a:t>
+              <a:t>주소를 입력하면 해당 주소의 날씨를 알려준다</a:t>
             </a:r>
             <a:r>
               <a:rPr lang="en-US" altLang="ko-KR" dirty="0">
@@ -4687,7 +4687,39 @@
                   <a:srgbClr val="333333"/>
                 </a:solidFill>
               </a:rPr>
-              <a:t>.</a:t>
+              <a:t>.(OO</a:t>
+            </a:r>
+            <a:r>
+              <a:rPr lang="ko-KR" altLang="en-US" dirty="0">
+                <a:solidFill>
+                  <a:srgbClr val="333333"/>
+                </a:solidFill>
+              </a:rPr>
+              <a:t>동</a:t>
+            </a:r>
+            <a:r>
+              <a:rPr lang="en-US" altLang="ko-KR" dirty="0">
+                <a:solidFill>
+                  <a:srgbClr val="333333"/>
+                </a:solidFill>
+              </a:rPr>
+              <a:t>, OO</a:t>
+            </a:r>
+            <a:r>
+              <a:rPr lang="ko-KR" altLang="en-US" dirty="0">
+                <a:solidFill>
+                  <a:srgbClr val="333333"/>
+                </a:solidFill>
+              </a:rPr>
+              <a:t>구</a:t>
+            </a:r>
+            <a:r>
+              <a:rPr lang="en-US" altLang="ko-KR" dirty="0">
+                <a:solidFill>
+                  <a:srgbClr val="333333"/>
+                </a:solidFill>
+              </a:rPr>
+              <a:t>)</a:t>
             </a:r>
           </a:p>
           <a:p>
@@ -5009,7 +5041,7 @@
         </p:nvSpPr>
         <p:spPr>
           <a:xfrm>
-            <a:off x="1340528" y="2016462"/>
+            <a:off x="1385804" y="2273166"/>
             <a:ext cx="9481352" cy="3416320"/>
           </a:xfrm>
           <a:prstGeom prst="rect">
